--- a/Documents/03-Transform.pptx
+++ b/Documents/03-Transform.pptx
@@ -167,6 +167,95 @@
         <inkml:traceFormat>
           <inkml:channel name="X" type="integer" min="-2.14748E9" max="2.14748E9" units="cm"/>
           <inkml:channel name="Y" type="integer" min="-2.14748E9" max="2.14748E9" units="cm"/>
+        </inkml:traceFormat>
+        <inkml:channelProperties>
+          <inkml:channelProperty channel="X" name="resolution" value="1000" units="1/cm"/>
+          <inkml:channelProperty channel="Y" name="resolution" value="1000" units="1/cm"/>
+        </inkml:channelProperties>
+      </inkml:inkSource>
+      <inkml:timestamp xml:id="ts0" timeString="2025-09-10T11:16:12.983"/>
+    </inkml:context>
+    <inkml:brush xml:id="br0">
+      <inkml:brushProperty name="width" value="0.3" units="cm"/>
+      <inkml:brushProperty name="height" value="0.6" units="cm"/>
+      <inkml:brushProperty name="color" value="#FFFC00"/>
+      <inkml:brushProperty name="tip" value="rectangle"/>
+      <inkml:brushProperty name="rasterOp" value="maskPen"/>
+      <inkml:brushProperty name="ignorePressure" value="1"/>
+    </inkml:brush>
+  </inkml:definitions>
+  <inkml:trace contextRef="#ctx0" brushRef="#br0">73 139,'7'53,"-5"-44,0 0,-1 0,0 1,-1-1,0 11,-4-12,1-16,-2-17,5 4,1 0,1 1,1-1,0 1,12-35,-13 49,0 1,1-1,-1 1,1-1,1 1,-1 0,1 0,-1 1,1-1,1 1,5-5,-9 8,1 0,-1 0,1 0,-1 0,1 0,-1 1,1-1,-1 0,1 1,-1 0,1-1,0 1,-1 0,1 0,0 0,-1 0,1 0,2 0,-3 1,1 0,0 0,0 0,0 0,-1 0,1 0,0 1,-1-1,1 1,-1-1,1 1,-1-1,0 1,0 0,0 0,0-1,0 1,1 3,5 13,-1-1,-1 2,-1-1,0 0,-1 1,-1-1,-1 1,-1 0,-3 30,2-43,-1 1,1-1,-1 1,-1-1,1 0,-6 8,-8 24,15-34,-1-1,0 1,0-1,0 0,0 1,0-1,-1 0,1 0,-1 0,0-1,0 1,0-1,0 1,-6 2,6-3,-1 0,1 1,-1 0,1-1,0 1,0 0,0 1,0-1,0 1,1-1,0 1,-3 5,-20 47,16-36,-13 38,4-19,15-34,0 1,0 0,1 1,0-1,0 0,-2 10,-4 34,3-29,2-1,-1 28,4 6,2 87,1-122,2 0,0-1,1 1,0-1,2-1,0 1,14 20,-11-18,-8-13,0 0,-1 0,1 1,-1-1,-1 1,0-1,1 15,-4 58,0-31,1-28,-7 37,5-37,-2 37,4-43,-1 0,-6 24,1-1,-29 120,29-119,3-21,1 0,-1 30,5 446,0-481,0 0,6 25,-3-24,-2 0,2 17,-4-4,0-6,1 0,8 41,9 26,0 0,-16-76,0 0,-1 1,-1 16,0-17,0 0,1-1,3 19,-1-19</inkml:trace>
+</inkml:ink>
+</file>
+
+<file path=ppt/ink/ink11.xml><?xml version="1.0" encoding="utf-8"?>
+<inkml:ink xmlns:inkml="http://www.w3.org/2003/InkML">
+  <inkml:definitions>
+    <inkml:context xml:id="ctx0">
+      <inkml:inkSource xml:id="inkSrc0">
+        <inkml:traceFormat>
+          <inkml:channel name="X" type="integer" min="-2.14748E9" max="2.14748E9" units="cm"/>
+          <inkml:channel name="Y" type="integer" min="-2.14748E9" max="2.14748E9" units="cm"/>
+          <inkml:channel name="F" type="integer" max="32767" units="dev"/>
+        </inkml:traceFormat>
+        <inkml:channelProperties>
+          <inkml:channelProperty channel="X" name="resolution" value="1000" units="1/cm"/>
+          <inkml:channelProperty channel="Y" name="resolution" value="1000" units="1/cm"/>
+          <inkml:channelProperty channel="F" name="resolution" value="0" units="1/dev"/>
+        </inkml:channelProperties>
+      </inkml:inkSource>
+      <inkml:timestamp xml:id="ts0" timeString="2025-09-08T09:54:53.274"/>
+    </inkml:context>
+    <inkml:brush xml:id="br0">
+      <inkml:brushProperty name="width" value="0.1" units="cm"/>
+      <inkml:brushProperty name="height" value="0.1" units="cm"/>
+      <inkml:brushProperty name="color" value="#AE198D"/>
+      <inkml:brushProperty name="inkEffects" value="galaxy"/>
+      <inkml:brushProperty name="anchorX" value="-1043.13184"/>
+      <inkml:brushProperty name="anchorY" value="-1934.75488"/>
+      <inkml:brushProperty name="scaleFactor" value="0.5"/>
+    </inkml:brush>
+  </inkml:definitions>
+  <inkml:trace contextRef="#ctx0" brushRef="#br0">0 1 24575,'0'0'0,"4"0"0,4 0 0,4 0 0,4 0 0,-3 4 0,3 0 0,0 0 0,1-1 0,2 4 0,0-2 0,0 0 0,1-2 0,-4 4 0,0-2 0,0 0 0,1-1 0,-4 2 0,1-1 0,-3 4 0,1-2 0,-2 4 0,1-2 0,-2 2 0,1-2 0,-1 2 0,-2 2 0,1-2 0,-1 2 0,3-2 0,-2 0 0,-2 3 0,-1 1 0,2-2 0,-2 2 0,0 0 0,-2 1 0,-1 2 0,-1 0 0,0 2 0,-1 0 0,0 0 0,-4-4 0,-1 0 0,-3-4 0,-3-4 0,0 2 0,2 1 0,2 2 0,-1-1 0,1 1 0,-2-3 0,2 3 0,1 0 0,-3-1 0,2 1 0,-2-3 0,1 2 0,1 1 0,3 2 0,1-2 0</inkml:trace>
+</inkml:ink>
+</file>
+
+<file path=ppt/ink/ink12.xml><?xml version="1.0" encoding="utf-8"?>
+<inkml:ink xmlns:inkml="http://www.w3.org/2003/InkML">
+  <inkml:definitions>
+    <inkml:context xml:id="ctx0">
+      <inkml:inkSource xml:id="inkSrc0">
+        <inkml:traceFormat>
+          <inkml:channel name="X" type="integer" min="-2.14748E9" max="2.14748E9" units="cm"/>
+          <inkml:channel name="Y" type="integer" min="-2.14748E9" max="2.14748E9" units="cm"/>
+          <inkml:channel name="F" type="integer" max="32767" units="dev"/>
+        </inkml:traceFormat>
+        <inkml:channelProperties>
+          <inkml:channelProperty channel="X" name="resolution" value="1000" units="1/cm"/>
+          <inkml:channelProperty channel="Y" name="resolution" value="1000" units="1/cm"/>
+          <inkml:channelProperty channel="F" name="resolution" value="0" units="1/dev"/>
+        </inkml:channelProperties>
+      </inkml:inkSource>
+      <inkml:timestamp xml:id="ts0" timeString="2023-09-15T06:18:56.600"/>
+    </inkml:context>
+    <inkml:brush xml:id="br0">
+      <inkml:brushProperty name="width" value="0.025" units="cm"/>
+      <inkml:brushProperty name="height" value="0.025" units="cm"/>
+      <inkml:brushProperty name="color" value="#00A0D7"/>
+    </inkml:brush>
+  </inkml:definitions>
+  <inkml:trace contextRef="#ctx0" brushRef="#br0">1 1 24575,'1024'0'0,"-809"14"0,-20-1 0,339-13 0,-267 0 0,-243 2-1365,-15 1-5461</inkml:trace>
+</inkml:ink>
+</file>
+
+<file path=ppt/ink/ink13.xml><?xml version="1.0" encoding="utf-8"?>
+<inkml:ink xmlns:inkml="http://www.w3.org/2003/InkML">
+  <inkml:definitions>
+    <inkml:context xml:id="ctx0">
+      <inkml:inkSource xml:id="inkSrc0">
+        <inkml:traceFormat>
+          <inkml:channel name="X" type="integer" min="-2.14748E9" max="2.14748E9" units="cm"/>
+          <inkml:channel name="Y" type="integer" min="-2.14748E9" max="2.14748E9" units="cm"/>
           <inkml:channel name="F" type="integer" max="32767" units="dev"/>
         </inkml:traceFormat>
         <inkml:channelProperties>
@@ -187,7 +276,7 @@
 </inkml:ink>
 </file>
 
-<file path=ppt/ink/ink11.xml><?xml version="1.0" encoding="utf-8"?>
+<file path=ppt/ink/ink14.xml><?xml version="1.0" encoding="utf-8"?>
 <inkml:ink xmlns:inkml="http://www.w3.org/2003/InkML">
   <inkml:definitions>
     <inkml:context xml:id="ctx0">
@@ -215,7 +304,7 @@
 </inkml:ink>
 </file>
 
-<file path=ppt/ink/ink12.xml><?xml version="1.0" encoding="utf-8"?>
+<file path=ppt/ink/ink15.xml><?xml version="1.0" encoding="utf-8"?>
 <inkml:ink xmlns:inkml="http://www.w3.org/2003/InkML">
   <inkml:definitions>
     <inkml:context xml:id="ctx0">
@@ -243,7 +332,7 @@
 </inkml:ink>
 </file>
 
-<file path=ppt/ink/ink13.xml><?xml version="1.0" encoding="utf-8"?>
+<file path=ppt/ink/ink16.xml><?xml version="1.0" encoding="utf-8"?>
 <inkml:ink xmlns:inkml="http://www.w3.org/2003/InkML">
   <inkml:definitions>
     <inkml:context xml:id="ctx0">
@@ -271,7 +360,7 @@
 </inkml:ink>
 </file>
 
-<file path=ppt/ink/ink14.xml><?xml version="1.0" encoding="utf-8"?>
+<file path=ppt/ink/ink17.xml><?xml version="1.0" encoding="utf-8"?>
 <inkml:ink xmlns:inkml="http://www.w3.org/2003/InkML">
   <inkml:definitions>
     <inkml:context xml:id="ctx0">
@@ -299,7 +388,7 @@
 </inkml:ink>
 </file>
 
-<file path=ppt/ink/ink15.xml><?xml version="1.0" encoding="utf-8"?>
+<file path=ppt/ink/ink18.xml><?xml version="1.0" encoding="utf-8"?>
 <inkml:ink xmlns:inkml="http://www.w3.org/2003/InkML">
   <inkml:definitions>
     <inkml:context xml:id="ctx0">
@@ -327,7 +416,7 @@
 </inkml:ink>
 </file>
 
-<file path=ppt/ink/ink16.xml><?xml version="1.0" encoding="utf-8"?>
+<file path=ppt/ink/ink19.xml><?xml version="1.0" encoding="utf-8"?>
 <inkml:ink xmlns:inkml="http://www.w3.org/2003/InkML">
   <inkml:definitions>
     <inkml:context xml:id="ctx0">
@@ -352,90 +441,6 @@
     </inkml:brush>
   </inkml:definitions>
   <inkml:trace contextRef="#ctx0" brushRef="#br0">1 0 24575,'0'5'0,"0"8"0,0 8 0,0 7 0,0 1 0,0 4 0,0 0 0,2 2 0,3 3 0,1 3 0,0-2 0,-2-2 0,-1-3 0,-2-8-8191</inkml:trace>
-</inkml:ink>
-</file>
-
-<file path=ppt/ink/ink17.xml><?xml version="1.0" encoding="utf-8"?>
-<inkml:ink xmlns:inkml="http://www.w3.org/2003/InkML">
-  <inkml:definitions>
-    <inkml:context xml:id="ctx0">
-      <inkml:inkSource xml:id="inkSrc0">
-        <inkml:traceFormat>
-          <inkml:channel name="X" type="integer" min="-2.14748E9" max="2.14748E9" units="cm"/>
-          <inkml:channel name="Y" type="integer" min="-2.14748E9" max="2.14748E9" units="cm"/>
-          <inkml:channel name="F" type="integer" max="32767" units="dev"/>
-        </inkml:traceFormat>
-        <inkml:channelProperties>
-          <inkml:channelProperty channel="X" name="resolution" value="1000" units="1/cm"/>
-          <inkml:channelProperty channel="Y" name="resolution" value="1000" units="1/cm"/>
-          <inkml:channelProperty channel="F" name="resolution" value="0" units="1/dev"/>
-        </inkml:channelProperties>
-      </inkml:inkSource>
-      <inkml:timestamp xml:id="ts0" timeString="2023-09-15T06:22:18.041"/>
-    </inkml:context>
-    <inkml:brush xml:id="br0">
-      <inkml:brushProperty name="width" value="0.035" units="cm"/>
-      <inkml:brushProperty name="height" value="0.035" units="cm"/>
-      <inkml:brushProperty name="color" value="#66CC00"/>
-    </inkml:brush>
-  </inkml:definitions>
-  <inkml:trace contextRef="#ctx0" brushRef="#br0">1 1 24575,'0'0'-8191</inkml:trace>
-</inkml:ink>
-</file>
-
-<file path=ppt/ink/ink18.xml><?xml version="1.0" encoding="utf-8"?>
-<inkml:ink xmlns:inkml="http://www.w3.org/2003/InkML">
-  <inkml:definitions>
-    <inkml:context xml:id="ctx0">
-      <inkml:inkSource xml:id="inkSrc0">
-        <inkml:traceFormat>
-          <inkml:channel name="X" type="integer" min="-2.14748E9" max="2.14748E9" units="cm"/>
-          <inkml:channel name="Y" type="integer" min="-2.14748E9" max="2.14748E9" units="cm"/>
-          <inkml:channel name="F" type="integer" max="32767" units="dev"/>
-        </inkml:traceFormat>
-        <inkml:channelProperties>
-          <inkml:channelProperty channel="X" name="resolution" value="1000" units="1/cm"/>
-          <inkml:channelProperty channel="Y" name="resolution" value="1000" units="1/cm"/>
-          <inkml:channelProperty channel="F" name="resolution" value="0" units="1/dev"/>
-        </inkml:channelProperties>
-      </inkml:inkSource>
-      <inkml:timestamp xml:id="ts0" timeString="2023-09-15T06:22:26.836"/>
-    </inkml:context>
-    <inkml:brush xml:id="br0">
-      <inkml:brushProperty name="width" value="0.035" units="cm"/>
-      <inkml:brushProperty name="height" value="0.035" units="cm"/>
-      <inkml:brushProperty name="color" value="#66CC00"/>
-    </inkml:brush>
-  </inkml:definitions>
-  <inkml:trace contextRef="#ctx0" brushRef="#br0">1 14 24575,'0'0'0,"1"-1"0,-1 0 0,0 0 0,1 1 0,-1 0 0,0-1 0,0 0 0,1 1 0,0-1 0,-1 0 0,1 1 0,0 0 0,-1 0 0,1-1 0,-1 1 0,1-1 0,-1 1 0,1-1 0,0 1 0,0 0 0,0-1 0,-1 1 0,0 0 0,1 0 0,0 0 0,0 0 0,1 0 0,25-2 0,-23 2 0,17 0 0,2 1 0,-2 0 0,1 3 0,-2-1 0,2 2 0,-2 0 0,36 15 0,-7 1 0,89 53 0,-52-17 0,-40-28 0,3 1 0,-1 1 0,50 44 0,-8-1 0,-56-49 0,0 4 0,-2 0 0,34 39 0,8 43 0,-26-36 0,-32-50 0,21 47 0,-23-41 0,18 27 0,-11-24 0,-1 2 0,-2 0 0,-2 1 0,-1 1 0,-3 0 0,-1 1 0,8 49 0,29 87 0,-28-109 0,-16-53 0,73 277 0,-46-176 0,-28-98-6,0 0 0,-1 1 0,-1-1 0,-1 0-1,-2 28 1,0 0-1322,2-31-5498</inkml:trace>
-</inkml:ink>
-</file>
-
-<file path=ppt/ink/ink19.xml><?xml version="1.0" encoding="utf-8"?>
-<inkml:ink xmlns:inkml="http://www.w3.org/2003/InkML">
-  <inkml:definitions>
-    <inkml:context xml:id="ctx0">
-      <inkml:inkSource xml:id="inkSrc0">
-        <inkml:traceFormat>
-          <inkml:channel name="X" type="integer" min="-2.14748E9" max="2.14748E9" units="cm"/>
-          <inkml:channel name="Y" type="integer" min="-2.14748E9" max="2.14748E9" units="cm"/>
-          <inkml:channel name="F" type="integer" max="32767" units="dev"/>
-        </inkml:traceFormat>
-        <inkml:channelProperties>
-          <inkml:channelProperty channel="X" name="resolution" value="1000" units="1/cm"/>
-          <inkml:channelProperty channel="Y" name="resolution" value="1000" units="1/cm"/>
-          <inkml:channelProperty channel="F" name="resolution" value="0" units="1/dev"/>
-        </inkml:channelProperties>
-      </inkml:inkSource>
-      <inkml:timestamp xml:id="ts0" timeString="2023-09-15T06:22:32.451"/>
-    </inkml:context>
-    <inkml:brush xml:id="br0">
-      <inkml:brushProperty name="width" value="0.035" units="cm"/>
-      <inkml:brushProperty name="height" value="0.035" units="cm"/>
-      <inkml:brushProperty name="color" value="#66CC00"/>
-    </inkml:brush>
-  </inkml:definitions>
-  <inkml:trace contextRef="#ctx0" brushRef="#br0">1 1 24575,'7'1'0,"1"0"0,0 0 0,0 1 0,-1-1 0,0 2 0,1-1 0,-1 2 0,0-1 0,0 1 0,0-1 0,-1 2 0,1-1 0,-1 1 0,0 0 0,-1-1 0,1 2 0,-1 0 0,8 9 0,7 12 0,-1 2 0,28 53 0,-42-73 0,4 8-124,0 0 0,0 1 0,-2 1 0,0-1 0,-2 1 0,0 0-1,-1 0 1,-1 0 0,-1 0 0,0 25 0,-2-30-6702</inkml:trace>
 </inkml:ink>
 </file>
 
@@ -483,6 +488,90 @@
           <inkml:channelProperty channel="F" name="resolution" value="0" units="1/dev"/>
         </inkml:channelProperties>
       </inkml:inkSource>
+      <inkml:timestamp xml:id="ts0" timeString="2023-09-15T06:22:18.041"/>
+    </inkml:context>
+    <inkml:brush xml:id="br0">
+      <inkml:brushProperty name="width" value="0.035" units="cm"/>
+      <inkml:brushProperty name="height" value="0.035" units="cm"/>
+      <inkml:brushProperty name="color" value="#66CC00"/>
+    </inkml:brush>
+  </inkml:definitions>
+  <inkml:trace contextRef="#ctx0" brushRef="#br0">1 1 24575,'0'0'-8191</inkml:trace>
+</inkml:ink>
+</file>
+
+<file path=ppt/ink/ink21.xml><?xml version="1.0" encoding="utf-8"?>
+<inkml:ink xmlns:inkml="http://www.w3.org/2003/InkML">
+  <inkml:definitions>
+    <inkml:context xml:id="ctx0">
+      <inkml:inkSource xml:id="inkSrc0">
+        <inkml:traceFormat>
+          <inkml:channel name="X" type="integer" min="-2.14748E9" max="2.14748E9" units="cm"/>
+          <inkml:channel name="Y" type="integer" min="-2.14748E9" max="2.14748E9" units="cm"/>
+          <inkml:channel name="F" type="integer" max="32767" units="dev"/>
+        </inkml:traceFormat>
+        <inkml:channelProperties>
+          <inkml:channelProperty channel="X" name="resolution" value="1000" units="1/cm"/>
+          <inkml:channelProperty channel="Y" name="resolution" value="1000" units="1/cm"/>
+          <inkml:channelProperty channel="F" name="resolution" value="0" units="1/dev"/>
+        </inkml:channelProperties>
+      </inkml:inkSource>
+      <inkml:timestamp xml:id="ts0" timeString="2023-09-15T06:22:26.836"/>
+    </inkml:context>
+    <inkml:brush xml:id="br0">
+      <inkml:brushProperty name="width" value="0.035" units="cm"/>
+      <inkml:brushProperty name="height" value="0.035" units="cm"/>
+      <inkml:brushProperty name="color" value="#66CC00"/>
+    </inkml:brush>
+  </inkml:definitions>
+  <inkml:trace contextRef="#ctx0" brushRef="#br0">1 14 24575,'0'0'0,"1"-1"0,-1 0 0,0 0 0,1 1 0,-1 0 0,0-1 0,0 0 0,1 1 0,0-1 0,-1 0 0,1 1 0,0 0 0,-1 0 0,1-1 0,-1 1 0,1-1 0,-1 1 0,1-1 0,0 1 0,0 0 0,0-1 0,-1 1 0,0 0 0,1 0 0,0 0 0,0 0 0,1 0 0,25-2 0,-23 2 0,17 0 0,2 1 0,-2 0 0,1 3 0,-2-1 0,2 2 0,-2 0 0,36 15 0,-7 1 0,89 53 0,-52-17 0,-40-28 0,3 1 0,-1 1 0,50 44 0,-8-1 0,-56-49 0,0 4 0,-2 0 0,34 39 0,8 43 0,-26-36 0,-32-50 0,21 47 0,-23-41 0,18 27 0,-11-24 0,-1 2 0,-2 0 0,-2 1 0,-1 1 0,-3 0 0,-1 1 0,8 49 0,29 87 0,-28-109 0,-16-53 0,73 277 0,-46-176 0,-28-98-6,0 0 0,-1 1 0,-1-1 0,-1 0-1,-2 28 1,0 0-1322,2-31-5498</inkml:trace>
+</inkml:ink>
+</file>
+
+<file path=ppt/ink/ink22.xml><?xml version="1.0" encoding="utf-8"?>
+<inkml:ink xmlns:inkml="http://www.w3.org/2003/InkML">
+  <inkml:definitions>
+    <inkml:context xml:id="ctx0">
+      <inkml:inkSource xml:id="inkSrc0">
+        <inkml:traceFormat>
+          <inkml:channel name="X" type="integer" min="-2.14748E9" max="2.14748E9" units="cm"/>
+          <inkml:channel name="Y" type="integer" min="-2.14748E9" max="2.14748E9" units="cm"/>
+          <inkml:channel name="F" type="integer" max="32767" units="dev"/>
+        </inkml:traceFormat>
+        <inkml:channelProperties>
+          <inkml:channelProperty channel="X" name="resolution" value="1000" units="1/cm"/>
+          <inkml:channelProperty channel="Y" name="resolution" value="1000" units="1/cm"/>
+          <inkml:channelProperty channel="F" name="resolution" value="0" units="1/dev"/>
+        </inkml:channelProperties>
+      </inkml:inkSource>
+      <inkml:timestamp xml:id="ts0" timeString="2023-09-15T06:22:32.451"/>
+    </inkml:context>
+    <inkml:brush xml:id="br0">
+      <inkml:brushProperty name="width" value="0.035" units="cm"/>
+      <inkml:brushProperty name="height" value="0.035" units="cm"/>
+      <inkml:brushProperty name="color" value="#66CC00"/>
+    </inkml:brush>
+  </inkml:definitions>
+  <inkml:trace contextRef="#ctx0" brushRef="#br0">1 1 24575,'7'1'0,"1"0"0,0 0 0,0 1 0,-1-1 0,0 2 0,1-1 0,-1 2 0,0-1 0,0 1 0,0-1 0,-1 2 0,1-1 0,-1 1 0,0 0 0,-1-1 0,1 2 0,-1 0 0,8 9 0,7 12 0,-1 2 0,28 53 0,-42-73 0,4 8-124,0 0 0,0 1 0,-2 1 0,0-1 0,-2 1 0,0 0-1,-1 0 1,-1 0 0,-1 0 0,0 25 0,-2-30-6702</inkml:trace>
+</inkml:ink>
+</file>
+
+<file path=ppt/ink/ink23.xml><?xml version="1.0" encoding="utf-8"?>
+<inkml:ink xmlns:inkml="http://www.w3.org/2003/InkML">
+  <inkml:definitions>
+    <inkml:context xml:id="ctx0">
+      <inkml:inkSource xml:id="inkSrc0">
+        <inkml:traceFormat>
+          <inkml:channel name="X" type="integer" min="-2.14748E9" max="2.14748E9" units="cm"/>
+          <inkml:channel name="Y" type="integer" min="-2.14748E9" max="2.14748E9" units="cm"/>
+          <inkml:channel name="F" type="integer" max="32767" units="dev"/>
+        </inkml:traceFormat>
+        <inkml:channelProperties>
+          <inkml:channelProperty channel="X" name="resolution" value="1000" units="1/cm"/>
+          <inkml:channelProperty channel="Y" name="resolution" value="1000" units="1/cm"/>
+          <inkml:channelProperty channel="F" name="resolution" value="0" units="1/dev"/>
+        </inkml:channelProperties>
+      </inkml:inkSource>
       <inkml:timestamp xml:id="ts0" timeString="2023-09-15T06:21:56.128"/>
     </inkml:context>
     <inkml:brush xml:id="br0">
@@ -495,7 +584,7 @@
 </inkml:ink>
 </file>
 
-<file path=ppt/ink/ink21.xml><?xml version="1.0" encoding="utf-8"?>
+<file path=ppt/ink/ink24.xml><?xml version="1.0" encoding="utf-8"?>
 <inkml:ink xmlns:inkml="http://www.w3.org/2003/InkML">
   <inkml:definitions>
     <inkml:context xml:id="ctx0">
@@ -523,7 +612,7 @@
 </inkml:ink>
 </file>
 
-<file path=ppt/ink/ink22.xml><?xml version="1.0" encoding="utf-8"?>
+<file path=ppt/ink/ink25.xml><?xml version="1.0" encoding="utf-8"?>
 <inkml:ink xmlns:inkml="http://www.w3.org/2003/InkML">
   <inkml:definitions>
     <inkml:context xml:id="ctx0">
@@ -551,7 +640,7 @@
 </inkml:ink>
 </file>
 
-<file path=ppt/ink/ink23.xml><?xml version="1.0" encoding="utf-8"?>
+<file path=ppt/ink/ink26.xml><?xml version="1.0" encoding="utf-8"?>
 <inkml:ink xmlns:inkml="http://www.w3.org/2003/InkML">
   <inkml:definitions>
     <inkml:context xml:id="ctx0">
@@ -579,7 +668,7 @@
 </inkml:ink>
 </file>
 
-<file path=ppt/ink/ink24.xml><?xml version="1.0" encoding="utf-8"?>
+<file path=ppt/ink/ink27.xml><?xml version="1.0" encoding="utf-8"?>
 <inkml:ink xmlns:inkml="http://www.w3.org/2003/InkML">
   <inkml:definitions>
     <inkml:context xml:id="ctx0">
@@ -607,7 +696,7 @@
 </inkml:ink>
 </file>
 
-<file path=ppt/ink/ink25.xml><?xml version="1.0" encoding="utf-8"?>
+<file path=ppt/ink/ink28.xml><?xml version="1.0" encoding="utf-8"?>
 <inkml:ink xmlns:inkml="http://www.w3.org/2003/InkML">
   <inkml:definitions>
     <inkml:context xml:id="ctx0">
@@ -635,7 +724,7 @@
 </inkml:ink>
 </file>
 
-<file path=ppt/ink/ink26.xml><?xml version="1.0" encoding="utf-8"?>
+<file path=ppt/ink/ink29.xml><?xml version="1.0" encoding="utf-8"?>
 <inkml:ink xmlns:inkml="http://www.w3.org/2003/InkML">
   <inkml:definitions>
     <inkml:context xml:id="ctx0">
@@ -660,60 +749,6 @@
     </inkml:brush>
   </inkml:definitions>
   <inkml:trace contextRef="#ctx0" brushRef="#br0">0 810 24575,'1'-6'0,"0"1"0,0 0 0,1-1 0,0 1 0,0 0 0,0 0 0,1 0 0,-1 0 0,1 1 0,0-1 0,1 1 0,-1-1 0,1 1 0,0 0 0,5-4 0,69-54 0,-75 60 0,147-101 0,-115 74 0,-25 20 0,1 0 0,0 0 0,0 2 0,1-1 0,18-7 0,-17 8 0,0 1 0,0-2 0,12-9 0,19-11 0,117-66 0,-112 63 0,1 1 0,92-38 0,-133 64 0,20-8 0,1 1 0,59-12 0,99-14 0,-129 19 0,-50 14 0,0 0 0,1 1 0,-1 1 0,1-1 0,15 0 0,48-7 0,-49 6 0,46-2 0,-17 5 0,82-11 0,-101 8 0,60 3 0,-68 2 0,1-1 0,0-1 0,52-10 0,-44 5 0,0 2 0,0 2 0,-1 0 0,50 6 0,5-1 0,862-4 0,-821 21 0,-31-9 0,-48-3 0,-22-3 0,-1 2 0,43 15 0,-39-11 0,98 40 0,-85-31 0,68 20 0,74 22 0,77 34 0,-158-54 0,67 38 0,9 11 0,-73-33-1365,-99-52-5461</inkml:trace>
-</inkml:ink>
-</file>
-
-<file path=ppt/ink/ink27.xml><?xml version="1.0" encoding="utf-8"?>
-<inkml:ink xmlns:inkml="http://www.w3.org/2003/InkML">
-  <inkml:definitions>
-    <inkml:context xml:id="ctx0">
-      <inkml:inkSource xml:id="inkSrc0">
-        <inkml:traceFormat>
-          <inkml:channel name="X" type="integer" min="-2.14748E9" max="2.14748E9" units="cm"/>
-          <inkml:channel name="Y" type="integer" min="-2.14748E9" max="2.14748E9" units="cm"/>
-          <inkml:channel name="F" type="integer" max="32767" units="dev"/>
-        </inkml:traceFormat>
-        <inkml:channelProperties>
-          <inkml:channelProperty channel="X" name="resolution" value="1000" units="1/cm"/>
-          <inkml:channelProperty channel="Y" name="resolution" value="1000" units="1/cm"/>
-          <inkml:channelProperty channel="F" name="resolution" value="0" units="1/dev"/>
-        </inkml:channelProperties>
-      </inkml:inkSource>
-      <inkml:timestamp xml:id="ts0" timeString="2024-09-08T07:52:25.673"/>
-    </inkml:context>
-    <inkml:brush xml:id="br0">
-      <inkml:brushProperty name="width" value="0.05" units="cm"/>
-      <inkml:brushProperty name="height" value="0.05" units="cm"/>
-    </inkml:brush>
-  </inkml:definitions>
-  <inkml:trace contextRef="#ctx0" brushRef="#br0">34 0 24575,'2'65'0,"0"-44"0,0-1 0,-2 1 0,-1 0 0,0 0 0,-2-1 0,0 1 0,-7 21 0,-8-5-1365,14-25-5461</inkml:trace>
-</inkml:ink>
-</file>
-
-<file path=ppt/ink/ink28.xml><?xml version="1.0" encoding="utf-8"?>
-<inkml:ink xmlns:inkml="http://www.w3.org/2003/InkML">
-  <inkml:definitions>
-    <inkml:context xml:id="ctx0">
-      <inkml:inkSource xml:id="inkSrc0">
-        <inkml:traceFormat>
-          <inkml:channel name="X" type="integer" min="-2.14748E9" max="2.14748E9" units="cm"/>
-          <inkml:channel name="Y" type="integer" min="-2.14748E9" max="2.14748E9" units="cm"/>
-          <inkml:channel name="F" type="integer" max="32767" units="dev"/>
-        </inkml:traceFormat>
-        <inkml:channelProperties>
-          <inkml:channelProperty channel="X" name="resolution" value="1000" units="1/cm"/>
-          <inkml:channelProperty channel="Y" name="resolution" value="1000" units="1/cm"/>
-          <inkml:channelProperty channel="F" name="resolution" value="0" units="1/dev"/>
-        </inkml:channelProperties>
-      </inkml:inkSource>
-      <inkml:timestamp xml:id="ts0" timeString="2024-09-08T07:53:05.798"/>
-    </inkml:context>
-    <inkml:brush xml:id="br0">
-      <inkml:brushProperty name="width" value="0.05" units="cm"/>
-      <inkml:brushProperty name="height" value="0.05" units="cm"/>
-    </inkml:brush>
-  </inkml:definitions>
-  <inkml:trace contextRef="#ctx0" brushRef="#br0">0 1 24575,'0'3'0,"0"4"0,0 5 0,0 3 0,0 2 0,0 1 0,0 1 0,0 1 0,0-1 0,0 1 0,0-1 0,0 0 0,0 0 0,0-1 0,0 1 0,0 0 0,0-1 0,0-2-8191</inkml:trace>
 </inkml:ink>
 </file>
 
@@ -742,6 +777,60 @@
     </inkml:brush>
   </inkml:definitions>
   <inkml:trace contextRef="#ctx0" brushRef="#br0">0 91 24575,'92'-28'0,"0"4"0,102-13 0,-187 36 0,-1 1 0,0-1 0,1 1 0,-1 1 0,0-1 0,1 1 0,-1 0 0,0 1 0,0-1 0,0 1 0,0 0 0,0 1 0,0-1 0,6 6 0,2 1 0,0 2 0,-1 0 0,20 23 0,-23-23 0,0-1 0,1 1 0,0-2 0,0 0 0,1 0 0,21 11 0,-26-18 0,0 0 0,0 0 0,0 0 0,0-1 0,0 0 0,0-1 0,0 0 0,0 0 0,0 0 0,0-1 0,0 0 0,1 0 0,-2-1 0,1 0 0,8-3 0,15-7 0,-1-1 0,30-18 0,-34 17 0,14-9 0,-30 16 0,1 1 0,0 1 0,0-1 0,0 1 0,1 1 0,0 0 0,-1 1 0,1 0 0,1 0 0,-1 1 0,16-1 0,18 6 0,57 11 0,29 2 0,-95-19-1365,-20 0-5461</inkml:trace>
+</inkml:ink>
+</file>
+
+<file path=ppt/ink/ink30.xml><?xml version="1.0" encoding="utf-8"?>
+<inkml:ink xmlns:inkml="http://www.w3.org/2003/InkML">
+  <inkml:definitions>
+    <inkml:context xml:id="ctx0">
+      <inkml:inkSource xml:id="inkSrc0">
+        <inkml:traceFormat>
+          <inkml:channel name="X" type="integer" min="-2.14748E9" max="2.14748E9" units="cm"/>
+          <inkml:channel name="Y" type="integer" min="-2.14748E9" max="2.14748E9" units="cm"/>
+          <inkml:channel name="F" type="integer" max="32767" units="dev"/>
+        </inkml:traceFormat>
+        <inkml:channelProperties>
+          <inkml:channelProperty channel="X" name="resolution" value="1000" units="1/cm"/>
+          <inkml:channelProperty channel="Y" name="resolution" value="1000" units="1/cm"/>
+          <inkml:channelProperty channel="F" name="resolution" value="0" units="1/dev"/>
+        </inkml:channelProperties>
+      </inkml:inkSource>
+      <inkml:timestamp xml:id="ts0" timeString="2024-09-08T07:52:25.673"/>
+    </inkml:context>
+    <inkml:brush xml:id="br0">
+      <inkml:brushProperty name="width" value="0.05" units="cm"/>
+      <inkml:brushProperty name="height" value="0.05" units="cm"/>
+    </inkml:brush>
+  </inkml:definitions>
+  <inkml:trace contextRef="#ctx0" brushRef="#br0">34 0 24575,'2'65'0,"0"-44"0,0-1 0,-2 1 0,-1 0 0,0 0 0,-2-1 0,0 1 0,-7 21 0,-8-5-1365,14-25-5461</inkml:trace>
+</inkml:ink>
+</file>
+
+<file path=ppt/ink/ink31.xml><?xml version="1.0" encoding="utf-8"?>
+<inkml:ink xmlns:inkml="http://www.w3.org/2003/InkML">
+  <inkml:definitions>
+    <inkml:context xml:id="ctx0">
+      <inkml:inkSource xml:id="inkSrc0">
+        <inkml:traceFormat>
+          <inkml:channel name="X" type="integer" min="-2.14748E9" max="2.14748E9" units="cm"/>
+          <inkml:channel name="Y" type="integer" min="-2.14748E9" max="2.14748E9" units="cm"/>
+          <inkml:channel name="F" type="integer" max="32767" units="dev"/>
+        </inkml:traceFormat>
+        <inkml:channelProperties>
+          <inkml:channelProperty channel="X" name="resolution" value="1000" units="1/cm"/>
+          <inkml:channelProperty channel="Y" name="resolution" value="1000" units="1/cm"/>
+          <inkml:channelProperty channel="F" name="resolution" value="0" units="1/dev"/>
+        </inkml:channelProperties>
+      </inkml:inkSource>
+      <inkml:timestamp xml:id="ts0" timeString="2024-09-08T07:53:05.798"/>
+    </inkml:context>
+    <inkml:brush xml:id="br0">
+      <inkml:brushProperty name="width" value="0.05" units="cm"/>
+      <inkml:brushProperty name="height" value="0.05" units="cm"/>
+    </inkml:brush>
+  </inkml:definitions>
+  <inkml:trace contextRef="#ctx0" brushRef="#br0">0 1 24575,'0'3'0,"0"4"0,0 5 0,0 3 0,0 2 0,0 1 0,0 1 0,0 1 0,0-1 0,0 1 0,0-1 0,0 0 0,0 0 0,0-1 0,0 1 0,0 0 0,0-1 0,0-2-8191</inkml:trace>
 </inkml:ink>
 </file>
 
@@ -865,27 +954,24 @@
         <inkml:traceFormat>
           <inkml:channel name="X" type="integer" min="-2.14748E9" max="2.14748E9" units="cm"/>
           <inkml:channel name="Y" type="integer" min="-2.14748E9" max="2.14748E9" units="cm"/>
-          <inkml:channel name="F" type="integer" max="32767" units="dev"/>
         </inkml:traceFormat>
         <inkml:channelProperties>
           <inkml:channelProperty channel="X" name="resolution" value="1000" units="1/cm"/>
           <inkml:channelProperty channel="Y" name="resolution" value="1000" units="1/cm"/>
-          <inkml:channelProperty channel="F" name="resolution" value="0" units="1/dev"/>
         </inkml:channelProperties>
       </inkml:inkSource>
-      <inkml:timestamp xml:id="ts0" timeString="2025-09-08T09:54:53.274"/>
+      <inkml:timestamp xml:id="ts0" timeString="2025-09-10T11:15:50.195"/>
     </inkml:context>
     <inkml:brush xml:id="br0">
-      <inkml:brushProperty name="width" value="0.1" units="cm"/>
-      <inkml:brushProperty name="height" value="0.1" units="cm"/>
-      <inkml:brushProperty name="color" value="#AE198D"/>
-      <inkml:brushProperty name="inkEffects" value="galaxy"/>
-      <inkml:brushProperty name="anchorX" value="-1043.13184"/>
-      <inkml:brushProperty name="anchorY" value="-1934.75488"/>
-      <inkml:brushProperty name="scaleFactor" value="0.5"/>
+      <inkml:brushProperty name="width" value="0.3" units="cm"/>
+      <inkml:brushProperty name="height" value="0.6" units="cm"/>
+      <inkml:brushProperty name="color" value="#FFFC00"/>
+      <inkml:brushProperty name="tip" value="rectangle"/>
+      <inkml:brushProperty name="rasterOp" value="maskPen"/>
+      <inkml:brushProperty name="ignorePressure" value="1"/>
     </inkml:brush>
   </inkml:definitions>
-  <inkml:trace contextRef="#ctx0" brushRef="#br0">0 1 24575,'0'0'0,"4"0"0,4 0 0,4 0 0,4 0 0,-3 4 0,3 0 0,0 0 0,1-1 0,2 4 0,0-2 0,0 0 0,1-2 0,-4 4 0,0-2 0,0 0 0,1-1 0,-4 2 0,1-1 0,-3 4 0,1-2 0,-2 4 0,1-2 0,-2 2 0,1-2 0,-1 2 0,-2 2 0,1-2 0,-1 2 0,3-2 0,-2 0 0,-2 3 0,-1 1 0,2-2 0,-2 2 0,0 0 0,-2 1 0,-1 2 0,-1 0 0,0 2 0,-1 0 0,0 0 0,-4-4 0,-1 0 0,-3-4 0,-3-4 0,0 2 0,2 1 0,2 2 0,-1-1 0,1 1 0,-2-3 0,2 3 0,1 0 0,-3-1 0,2 1 0,-2-3 0,1 2 0,1 1 0,3 2 0,1-2 0</inkml:trace>
+  <inkml:trace contextRef="#ctx0" brushRef="#br0">0 145,'24'0,"0"0,0 0,-1-1,1-1,-1-2,24-5,-36 6,1 1,-1 0,20 0,-18 2,1-1,16-4,38-5,-35 6,52-8,21 1,-24-1,12 0,0 1,-41 7,-40 4,0 0,0-2,15-2,64-10,-37 10,-42 4,0-1,26-4,-17 2,0 1,0 0,0 2,38 3,-40 0,1 1,21 7,-26-7,0 0,0 0,0-2,24 2,3-5,-40 1,-5 0,-3 0</inkml:trace>
 </inkml:ink>
 </file>
 
@@ -905,15 +991,18 @@
           <inkml:channelProperty channel="F" name="resolution" value="0" units="1/dev"/>
         </inkml:channelProperties>
       </inkml:inkSource>
-      <inkml:timestamp xml:id="ts0" timeString="2023-09-15T06:18:56.600"/>
+      <inkml:timestamp xml:id="ts0" timeString="2025-09-10T11:16:04.008"/>
     </inkml:context>
     <inkml:brush xml:id="br0">
-      <inkml:brushProperty name="width" value="0.025" units="cm"/>
-      <inkml:brushProperty name="height" value="0.025" units="cm"/>
-      <inkml:brushProperty name="color" value="#00A0D7"/>
+      <inkml:brushProperty name="width" value="0.3" units="cm"/>
+      <inkml:brushProperty name="height" value="0.6" units="cm"/>
+      <inkml:brushProperty name="color" value="#FFFC00"/>
+      <inkml:brushProperty name="tip" value="rectangle"/>
+      <inkml:brushProperty name="rasterOp" value="maskPen"/>
+      <inkml:brushProperty name="ignorePressure" value="1"/>
     </inkml:brush>
   </inkml:definitions>
-  <inkml:trace contextRef="#ctx0" brushRef="#br0">1 1 24575,'1024'0'0,"-809"14"0,-20-1 0,339-13 0,-267 0 0,-243 2-1365,-15 1-5461</inkml:trace>
+  <inkml:trace contextRef="#ctx0" brushRef="#br0">1 7 0,'88'124'0</inkml:trace>
 </inkml:ink>
 </file>
 
@@ -1064,7 +1153,7 @@
           <a:p>
             <a:fld id="{20FDF2D6-8C5E-4A0C-AD78-AB907B009066}" type="datetimeFigureOut">
               <a:rPr lang="ko-KR" altLang="en-US" smtClean="0"/>
-              <a:t>2025-09-08</a:t>
+              <a:t>2025-09-14</a:t>
             </a:fld>
             <a:endParaRPr lang="ko-KR" altLang="en-US"/>
           </a:p>
@@ -1262,7 +1351,7 @@
           <a:p>
             <a:fld id="{20FDF2D6-8C5E-4A0C-AD78-AB907B009066}" type="datetimeFigureOut">
               <a:rPr lang="ko-KR" altLang="en-US" smtClean="0"/>
-              <a:t>2025-09-08</a:t>
+              <a:t>2025-09-14</a:t>
             </a:fld>
             <a:endParaRPr lang="ko-KR" altLang="en-US"/>
           </a:p>
@@ -1470,7 +1559,7 @@
           <a:p>
             <a:fld id="{20FDF2D6-8C5E-4A0C-AD78-AB907B009066}" type="datetimeFigureOut">
               <a:rPr lang="ko-KR" altLang="en-US" smtClean="0"/>
-              <a:t>2025-09-08</a:t>
+              <a:t>2025-09-14</a:t>
             </a:fld>
             <a:endParaRPr lang="ko-KR" altLang="en-US"/>
           </a:p>
@@ -1668,7 +1757,7 @@
           <a:p>
             <a:fld id="{20FDF2D6-8C5E-4A0C-AD78-AB907B009066}" type="datetimeFigureOut">
               <a:rPr lang="ko-KR" altLang="en-US" smtClean="0"/>
-              <a:t>2025-09-08</a:t>
+              <a:t>2025-09-14</a:t>
             </a:fld>
             <a:endParaRPr lang="ko-KR" altLang="en-US"/>
           </a:p>
@@ -1943,7 +2032,7 @@
           <a:p>
             <a:fld id="{20FDF2D6-8C5E-4A0C-AD78-AB907B009066}" type="datetimeFigureOut">
               <a:rPr lang="ko-KR" altLang="en-US" smtClean="0"/>
-              <a:t>2025-09-08</a:t>
+              <a:t>2025-09-14</a:t>
             </a:fld>
             <a:endParaRPr lang="ko-KR" altLang="en-US"/>
           </a:p>
@@ -2208,7 +2297,7 @@
           <a:p>
             <a:fld id="{20FDF2D6-8C5E-4A0C-AD78-AB907B009066}" type="datetimeFigureOut">
               <a:rPr lang="ko-KR" altLang="en-US" smtClean="0"/>
-              <a:t>2025-09-08</a:t>
+              <a:t>2025-09-14</a:t>
             </a:fld>
             <a:endParaRPr lang="ko-KR" altLang="en-US"/>
           </a:p>
@@ -2620,7 +2709,7 @@
           <a:p>
             <a:fld id="{20FDF2D6-8C5E-4A0C-AD78-AB907B009066}" type="datetimeFigureOut">
               <a:rPr lang="ko-KR" altLang="en-US" smtClean="0"/>
-              <a:t>2025-09-08</a:t>
+              <a:t>2025-09-14</a:t>
             </a:fld>
             <a:endParaRPr lang="ko-KR" altLang="en-US"/>
           </a:p>
@@ -2761,7 +2850,7 @@
           <a:p>
             <a:fld id="{20FDF2D6-8C5E-4A0C-AD78-AB907B009066}" type="datetimeFigureOut">
               <a:rPr lang="ko-KR" altLang="en-US" smtClean="0"/>
-              <a:t>2025-09-08</a:t>
+              <a:t>2025-09-14</a:t>
             </a:fld>
             <a:endParaRPr lang="ko-KR" altLang="en-US"/>
           </a:p>
@@ -2874,7 +2963,7 @@
           <a:p>
             <a:fld id="{20FDF2D6-8C5E-4A0C-AD78-AB907B009066}" type="datetimeFigureOut">
               <a:rPr lang="ko-KR" altLang="en-US" smtClean="0"/>
-              <a:t>2025-09-08</a:t>
+              <a:t>2025-09-14</a:t>
             </a:fld>
             <a:endParaRPr lang="ko-KR" altLang="en-US"/>
           </a:p>
@@ -3185,7 +3274,7 @@
           <a:p>
             <a:fld id="{20FDF2D6-8C5E-4A0C-AD78-AB907B009066}" type="datetimeFigureOut">
               <a:rPr lang="ko-KR" altLang="en-US" smtClean="0"/>
-              <a:t>2025-09-08</a:t>
+              <a:t>2025-09-14</a:t>
             </a:fld>
             <a:endParaRPr lang="ko-KR" altLang="en-US"/>
           </a:p>
@@ -3473,7 +3562,7 @@
           <a:p>
             <a:fld id="{20FDF2D6-8C5E-4A0C-AD78-AB907B009066}" type="datetimeFigureOut">
               <a:rPr lang="ko-KR" altLang="en-US" smtClean="0"/>
-              <a:t>2025-09-08</a:t>
+              <a:t>2025-09-14</a:t>
             </a:fld>
             <a:endParaRPr lang="ko-KR" altLang="en-US"/>
           </a:p>
@@ -3714,7 +3803,7 @@
           <a:p>
             <a:fld id="{20FDF2D6-8C5E-4A0C-AD78-AB907B009066}" type="datetimeFigureOut">
               <a:rPr lang="ko-KR" altLang="en-US" smtClean="0"/>
-              <a:t>2025-09-08</a:t>
+              <a:t>2025-09-14</a:t>
             </a:fld>
             <a:endParaRPr lang="ko-KR" altLang="en-US"/>
           </a:p>
@@ -4908,8 +4997,8 @@
           </a:p>
         </p:txBody>
       </p:sp>
-      <mc:AlternateContent xmlns:mc="http://schemas.openxmlformats.org/markup-compatibility/2006">
-        <mc:Choice xmlns:a14="http://schemas.microsoft.com/office/drawing/2010/main" Requires="a14">
+      <mc:AlternateContent xmlns:mc="http://schemas.openxmlformats.org/markup-compatibility/2006" xmlns:a14="http://schemas.microsoft.com/office/drawing/2010/main">
+        <mc:Choice Requires="a14">
           <p:sp>
             <p:nvSpPr>
               <p:cNvPr id="19" name="TextBox 18">
@@ -5493,7 +5582,7 @@
             </p:txBody>
           </p:sp>
         </mc:Choice>
-        <mc:Fallback>
+        <mc:Fallback xmlns="">
           <p:sp>
             <p:nvSpPr>
               <p:cNvPr id="19" name="TextBox 18">
@@ -5538,8 +5627,8 @@
           </p:sp>
         </mc:Fallback>
       </mc:AlternateContent>
-      <mc:AlternateContent xmlns:mc="http://schemas.openxmlformats.org/markup-compatibility/2006">
-        <mc:Choice xmlns:a14="http://schemas.microsoft.com/office/drawing/2010/main" Requires="a14">
+      <mc:AlternateContent xmlns:mc="http://schemas.openxmlformats.org/markup-compatibility/2006" xmlns:a14="http://schemas.microsoft.com/office/drawing/2010/main">
+        <mc:Choice Requires="a14">
           <p:sp>
             <p:nvSpPr>
               <p:cNvPr id="21" name="TextBox 20">
@@ -5554,7 +5643,7 @@
             </p:nvSpPr>
             <p:spPr>
               <a:xfrm>
-                <a:off x="2334650" y="4271316"/>
+                <a:off x="2334650" y="4272695"/>
                 <a:ext cx="6096000" cy="736612"/>
               </a:xfrm>
               <a:prstGeom prst="rect">
@@ -5656,7 +5745,7 @@
             </p:txBody>
           </p:sp>
         </mc:Choice>
-        <mc:Fallback>
+        <mc:Fallback xmlns="">
           <p:sp>
             <p:nvSpPr>
               <p:cNvPr id="21" name="TextBox 20">
@@ -5673,7 +5762,7 @@
             </p:nvSpPr>
             <p:spPr>
               <a:xfrm>
-                <a:off x="2334650" y="4271316"/>
+                <a:off x="2334650" y="4272695"/>
                 <a:ext cx="6096000" cy="736612"/>
               </a:xfrm>
               <a:prstGeom prst="rect">
@@ -5807,6 +5896,295 @@
           </a:p>
         </p:txBody>
       </p:sp>
+      <mc:AlternateContent xmlns:mc="http://schemas.openxmlformats.org/markup-compatibility/2006" xmlns:a14="http://schemas.microsoft.com/office/drawing/2010/main">
+        <mc:Choice Requires="a14">
+          <p:sp>
+            <p:nvSpPr>
+              <p:cNvPr id="18" name="TextBox 17">
+                <a:extLst>
+                  <a:ext uri="{FF2B5EF4-FFF2-40B4-BE49-F238E27FC236}">
+                    <a16:creationId xmlns:a16="http://schemas.microsoft.com/office/drawing/2014/main" id="{15F3E3FE-64EC-5945-AEC7-105DB0C7FA02}"/>
+                  </a:ext>
+                </a:extLst>
+              </p:cNvPr>
+              <p:cNvSpPr txBox="1"/>
+              <p:nvPr/>
+            </p:nvSpPr>
+            <p:spPr>
+              <a:xfrm>
+                <a:off x="7150466" y="5812811"/>
+                <a:ext cx="4777428" cy="390748"/>
+              </a:xfrm>
+              <a:prstGeom prst="rect">
+                <a:avLst/>
+              </a:prstGeom>
+              <a:noFill/>
+            </p:spPr>
+            <p:txBody>
+              <a:bodyPr wrap="square">
+                <a:spAutoFit/>
+              </a:bodyPr>
+              <a:lstStyle/>
+              <a:p>
+                <a14:m>
+                  <m:oMath xmlns:m="http://schemas.openxmlformats.org/officeDocument/2006/math">
+                    <m:sSub>
+                      <m:sSubPr>
+                        <m:ctrlPr>
+                          <a:rPr lang="ko-KR" altLang="en-US" i="1">
+                            <a:latin typeface="Cambria Math" panose="02040503050406030204" pitchFamily="18" charset="0"/>
+                          </a:rPr>
+                        </m:ctrlPr>
+                      </m:sSubPr>
+                      <m:e>
+                        <m:r>
+                          <m:rPr>
+                            <m:sty m:val="p"/>
+                          </m:rPr>
+                          <a:rPr lang="ko-KR" altLang="en-US" b="0" i="0">
+                            <a:latin typeface="Cambria Math" panose="02040503050406030204" pitchFamily="18" charset="0"/>
+                          </a:rPr>
+                          <m:t>w</m:t>
+                        </m:r>
+                      </m:e>
+                      <m:sub>
+                        <m:r>
+                          <m:rPr>
+                            <m:sty m:val="p"/>
+                          </m:rPr>
+                          <a:rPr lang="ko-KR" altLang="en-US" b="0" i="0">
+                            <a:latin typeface="Cambria Math" panose="02040503050406030204" pitchFamily="18" charset="0"/>
+                          </a:rPr>
+                          <m:t>clip</m:t>
+                        </m:r>
+                      </m:sub>
+                    </m:sSub>
+                    <m:r>
+                      <a:rPr lang="en-US" altLang="ko-KR" b="0" i="0">
+                        <a:latin typeface="Cambria Math" panose="02040503050406030204" pitchFamily="18" charset="0"/>
+                      </a:rPr>
+                      <m:t>= </m:t>
+                    </m:r>
+                    <m:r>
+                      <a:rPr lang="en-US" altLang="ko-KR" b="0" i="0" smtClean="0">
+                        <a:latin typeface="Cambria Math" panose="02040503050406030204" pitchFamily="18" charset="0"/>
+                      </a:rPr>
+                      <m:t> </m:t>
+                    </m:r>
+                  </m:oMath>
+                </a14:m>
+                <a:r>
+                  <a:rPr lang="en-US" altLang="ko-KR" dirty="0">
+                    <a:latin typeface="Cambria Math" panose="02040503050406030204" pitchFamily="18" charset="0"/>
+                    <a:ea typeface="Cambria Math" panose="02040503050406030204" pitchFamily="18" charset="0"/>
+                  </a:rPr>
+                  <a:t> x * 0 + y * 0 + z * 1 + 1 * 0</a:t>
+                </a:r>
+                <a:endParaRPr lang="ko-KR" altLang="en-US" dirty="0">
+                  <a:latin typeface="Cambria Math" panose="02040503050406030204" pitchFamily="18" charset="0"/>
+                </a:endParaRPr>
+              </a:p>
+            </p:txBody>
+          </p:sp>
+        </mc:Choice>
+        <mc:Fallback xmlns="">
+          <p:sp>
+            <p:nvSpPr>
+              <p:cNvPr id="18" name="TextBox 17">
+                <a:extLst>
+                  <a:ext uri="{FF2B5EF4-FFF2-40B4-BE49-F238E27FC236}">
+                    <a16:creationId xmlns:a16="http://schemas.microsoft.com/office/drawing/2014/main" id="{15F3E3FE-64EC-5945-AEC7-105DB0C7FA02}"/>
+                  </a:ext>
+                </a:extLst>
+              </p:cNvPr>
+              <p:cNvSpPr txBox="1">
+                <a:spLocks noRot="1" noChangeAspect="1" noMove="1" noResize="1" noEditPoints="1" noAdjustHandles="1" noChangeArrowheads="1" noChangeShapeType="1" noTextEdit="1"/>
+              </p:cNvSpPr>
+              <p:nvPr/>
+            </p:nvSpPr>
+            <p:spPr>
+              <a:xfrm>
+                <a:off x="7150466" y="5812811"/>
+                <a:ext cx="4777428" cy="390748"/>
+              </a:xfrm>
+              <a:prstGeom prst="rect">
+                <a:avLst/>
+              </a:prstGeom>
+              <a:blipFill>
+                <a:blip r:embed="rId5"/>
+                <a:stretch>
+                  <a:fillRect t="-10938" b="-17188"/>
+                </a:stretch>
+              </a:blipFill>
+            </p:spPr>
+            <p:txBody>
+              <a:bodyPr/>
+              <a:lstStyle/>
+              <a:p>
+                <a:r>
+                  <a:rPr lang="ko-KR" altLang="en-US">
+                    <a:noFill/>
+                  </a:rPr>
+                  <a:t> </a:t>
+                </a:r>
+              </a:p>
+            </p:txBody>
+          </p:sp>
+        </mc:Fallback>
+      </mc:AlternateContent>
+      <mc:AlternateContent xmlns:mc="http://schemas.openxmlformats.org/markup-compatibility/2006" xmlns:p14="http://schemas.microsoft.com/office/powerpoint/2010/main">
+        <mc:Choice Requires="p14">
+          <p:contentPart p14:bwMode="auto" r:id="rId6">
+            <p14:nvContentPartPr>
+              <p14:cNvPr id="27" name="잉크 26">
+                <a:extLst>
+                  <a:ext uri="{FF2B5EF4-FFF2-40B4-BE49-F238E27FC236}">
+                    <a16:creationId xmlns:a16="http://schemas.microsoft.com/office/drawing/2014/main" id="{98A9511A-BEF5-5EA0-292D-8176CE0ACE6A}"/>
+                  </a:ext>
+                </a:extLst>
+              </p14:cNvPr>
+              <p14:cNvContentPartPr/>
+              <p14:nvPr/>
+            </p14:nvContentPartPr>
+            <p14:xfrm>
+              <a:off x="3992053" y="5925367"/>
+              <a:ext cx="571320" cy="52560"/>
+            </p14:xfrm>
+          </p:contentPart>
+        </mc:Choice>
+        <mc:Fallback xmlns="">
+          <p:pic>
+            <p:nvPicPr>
+              <p:cNvPr id="27" name="잉크 26">
+                <a:extLst>
+                  <a:ext uri="{FF2B5EF4-FFF2-40B4-BE49-F238E27FC236}">
+                    <a16:creationId xmlns:a16="http://schemas.microsoft.com/office/drawing/2014/main" id="{98A9511A-BEF5-5EA0-292D-8176CE0ACE6A}"/>
+                  </a:ext>
+                </a:extLst>
+              </p:cNvPr>
+              <p:cNvPicPr/>
+              <p:nvPr/>
+            </p:nvPicPr>
+            <p:blipFill>
+              <a:blip r:embed="rId7"/>
+              <a:stretch>
+                <a:fillRect/>
+              </a:stretch>
+            </p:blipFill>
+            <p:spPr>
+              <a:xfrm>
+                <a:off x="3938053" y="5817727"/>
+                <a:ext cx="678960" cy="268200"/>
+              </a:xfrm>
+              <a:prstGeom prst="rect">
+                <a:avLst/>
+              </a:prstGeom>
+            </p:spPr>
+          </p:pic>
+        </mc:Fallback>
+      </mc:AlternateContent>
+      <mc:AlternateContent xmlns:mc="http://schemas.openxmlformats.org/markup-compatibility/2006" xmlns:p14="http://schemas.microsoft.com/office/powerpoint/2010/main">
+        <mc:Choice Requires="p14">
+          <p:contentPart p14:bwMode="auto" r:id="rId8">
+            <p14:nvContentPartPr>
+              <p14:cNvPr id="30" name="잉크 29">
+                <a:extLst>
+                  <a:ext uri="{FF2B5EF4-FFF2-40B4-BE49-F238E27FC236}">
+                    <a16:creationId xmlns:a16="http://schemas.microsoft.com/office/drawing/2014/main" id="{1797C3A5-645B-3E54-31D1-6B20B28E5637}"/>
+                  </a:ext>
+                </a:extLst>
+              </p14:cNvPr>
+              <p14:cNvContentPartPr/>
+              <p14:nvPr/>
+            </p14:nvContentPartPr>
+            <p14:xfrm>
+              <a:off x="6159170" y="5460540"/>
+              <a:ext cx="32400" cy="45000"/>
+            </p14:xfrm>
+          </p:contentPart>
+        </mc:Choice>
+        <mc:Fallback xmlns="">
+          <p:pic>
+            <p:nvPicPr>
+              <p:cNvPr id="30" name="잉크 29">
+                <a:extLst>
+                  <a:ext uri="{FF2B5EF4-FFF2-40B4-BE49-F238E27FC236}">
+                    <a16:creationId xmlns:a16="http://schemas.microsoft.com/office/drawing/2014/main" id="{1797C3A5-645B-3E54-31D1-6B20B28E5637}"/>
+                  </a:ext>
+                </a:extLst>
+              </p:cNvPr>
+              <p:cNvPicPr/>
+              <p:nvPr/>
+            </p:nvPicPr>
+            <p:blipFill>
+              <a:blip r:embed="rId9"/>
+              <a:stretch>
+                <a:fillRect/>
+              </a:stretch>
+            </p:blipFill>
+            <p:spPr>
+              <a:xfrm>
+                <a:off x="6105530" y="5352540"/>
+                <a:ext cx="140040" cy="260640"/>
+              </a:xfrm>
+              <a:prstGeom prst="rect">
+                <a:avLst/>
+              </a:prstGeom>
+            </p:spPr>
+          </p:pic>
+        </mc:Fallback>
+      </mc:AlternateContent>
+      <mc:AlternateContent xmlns:mc="http://schemas.openxmlformats.org/markup-compatibility/2006" xmlns:p14="http://schemas.microsoft.com/office/powerpoint/2010/main">
+        <mc:Choice Requires="p14">
+          <p:contentPart p14:bwMode="auto" r:id="rId10">
+            <p14:nvContentPartPr>
+              <p14:cNvPr id="32" name="잉크 31">
+                <a:extLst>
+                  <a:ext uri="{FF2B5EF4-FFF2-40B4-BE49-F238E27FC236}">
+                    <a16:creationId xmlns:a16="http://schemas.microsoft.com/office/drawing/2014/main" id="{73D1E590-9AFC-6066-50B7-5A323E3EF357}"/>
+                  </a:ext>
+                </a:extLst>
+              </p14:cNvPr>
+              <p14:cNvContentPartPr/>
+              <p14:nvPr/>
+            </p14:nvContentPartPr>
+            <p14:xfrm>
+              <a:off x="6114170" y="5417340"/>
+              <a:ext cx="84600" cy="1075680"/>
+            </p14:xfrm>
+          </p:contentPart>
+        </mc:Choice>
+        <mc:Fallback xmlns="">
+          <p:pic>
+            <p:nvPicPr>
+              <p:cNvPr id="32" name="잉크 31">
+                <a:extLst>
+                  <a:ext uri="{FF2B5EF4-FFF2-40B4-BE49-F238E27FC236}">
+                    <a16:creationId xmlns:a16="http://schemas.microsoft.com/office/drawing/2014/main" id="{73D1E590-9AFC-6066-50B7-5A323E3EF357}"/>
+                  </a:ext>
+                </a:extLst>
+              </p:cNvPr>
+              <p:cNvPicPr/>
+              <p:nvPr/>
+            </p:nvPicPr>
+            <p:blipFill>
+              <a:blip r:embed="rId11"/>
+              <a:stretch>
+                <a:fillRect/>
+              </a:stretch>
+            </p:blipFill>
+            <p:spPr>
+              <a:xfrm>
+                <a:off x="6060530" y="5309700"/>
+                <a:ext cx="192240" cy="1291320"/>
+              </a:xfrm>
+              <a:prstGeom prst="rect">
+                <a:avLst/>
+              </a:prstGeom>
+            </p:spPr>
+          </p:pic>
+        </mc:Fallback>
+      </mc:AlternateContent>
     </p:spTree>
     <p:extLst>
       <p:ext uri="{BB962C8B-B14F-4D97-AF65-F5344CB8AC3E}">
@@ -6328,8 +6706,8 @@
           </a:p>
         </p:txBody>
       </p:sp>
-      <mc:AlternateContent xmlns:mc="http://schemas.openxmlformats.org/markup-compatibility/2006">
-        <mc:Choice xmlns:a14="http://schemas.microsoft.com/office/drawing/2010/main" Requires="a14">
+      <mc:AlternateContent xmlns:mc="http://schemas.openxmlformats.org/markup-compatibility/2006" xmlns:a14="http://schemas.microsoft.com/office/drawing/2010/main">
+        <mc:Choice Requires="a14">
           <p:sp>
             <p:nvSpPr>
               <p:cNvPr id="29" name="TextBox 28">
@@ -6407,7 +6785,7 @@
             </p:txBody>
           </p:sp>
         </mc:Choice>
-        <mc:Fallback>
+        <mc:Fallback xmlns="">
           <p:sp>
             <p:nvSpPr>
               <p:cNvPr id="29" name="TextBox 28">
@@ -6452,8 +6830,8 @@
           </p:sp>
         </mc:Fallback>
       </mc:AlternateContent>
-      <mc:AlternateContent xmlns:mc="http://schemas.openxmlformats.org/markup-compatibility/2006">
-        <mc:Choice xmlns:p14="http://schemas.microsoft.com/office/powerpoint/2010/main" xmlns:aink="http://schemas.microsoft.com/office/drawing/2016/ink" Requires="p14 aink">
+      <mc:AlternateContent xmlns:mc="http://schemas.openxmlformats.org/markup-compatibility/2006" xmlns:p14="http://schemas.microsoft.com/office/powerpoint/2010/main" xmlns:aink="http://schemas.microsoft.com/office/drawing/2016/ink">
+        <mc:Choice Requires="p14 aink">
           <p:contentPart p14:bwMode="auto" r:id="rId3">
             <p14:nvContentPartPr>
               <p14:cNvPr id="34" name="잉크 33">
@@ -6472,7 +6850,7 @@
             </p14:xfrm>
           </p:contentPart>
         </mc:Choice>
-        <mc:Fallback>
+        <mc:Fallback xmlns="">
           <p:pic>
             <p:nvPicPr>
               <p:cNvPr id="34" name="잉크 33">
@@ -6503,8 +6881,8 @@
           </p:pic>
         </mc:Fallback>
       </mc:AlternateContent>
-      <mc:AlternateContent xmlns:mc="http://schemas.openxmlformats.org/markup-compatibility/2006">
-        <mc:Choice xmlns:a14="http://schemas.microsoft.com/office/drawing/2010/main" Requires="a14">
+      <mc:AlternateContent xmlns:mc="http://schemas.openxmlformats.org/markup-compatibility/2006" xmlns:a14="http://schemas.microsoft.com/office/drawing/2010/main">
+        <mc:Choice Requires="a14">
           <p:sp>
             <p:nvSpPr>
               <p:cNvPr id="35" name="TextBox 34">
@@ -6660,7 +7038,7 @@
             </p:txBody>
           </p:sp>
         </mc:Choice>
-        <mc:Fallback>
+        <mc:Fallback xmlns="">
           <p:sp>
             <p:nvSpPr>
               <p:cNvPr id="35" name="TextBox 34">
@@ -6705,8 +7083,8 @@
           </p:sp>
         </mc:Fallback>
       </mc:AlternateContent>
-      <mc:AlternateContent xmlns:mc="http://schemas.openxmlformats.org/markup-compatibility/2006">
-        <mc:Choice xmlns:a14="http://schemas.microsoft.com/office/drawing/2010/main" Requires="a14">
+      <mc:AlternateContent xmlns:mc="http://schemas.openxmlformats.org/markup-compatibility/2006" xmlns:a14="http://schemas.microsoft.com/office/drawing/2010/main">
+        <mc:Choice Requires="a14">
           <p:sp>
             <p:nvSpPr>
               <p:cNvPr id="38" name="TextBox 37">
@@ -6855,7 +7233,7 @@
             </p:txBody>
           </p:sp>
         </mc:Choice>
-        <mc:Fallback>
+        <mc:Fallback xmlns="">
           <p:sp>
             <p:nvSpPr>
               <p:cNvPr id="38" name="TextBox 37">
@@ -6936,8 +7314,8 @@
           </a:p>
         </p:txBody>
       </p:sp>
-      <mc:AlternateContent xmlns:mc="http://schemas.openxmlformats.org/markup-compatibility/2006">
-        <mc:Choice xmlns:a14="http://schemas.microsoft.com/office/drawing/2010/main" Requires="a14">
+      <mc:AlternateContent xmlns:mc="http://schemas.openxmlformats.org/markup-compatibility/2006" xmlns:a14="http://schemas.microsoft.com/office/drawing/2010/main">
+        <mc:Choice Requires="a14">
           <p:sp>
             <p:nvSpPr>
               <p:cNvPr id="43" name="TextBox 42">
@@ -7011,7 +7389,7 @@
             </p:txBody>
           </p:sp>
         </mc:Choice>
-        <mc:Fallback>
+        <mc:Fallback xmlns="">
           <p:sp>
             <p:nvSpPr>
               <p:cNvPr id="43" name="TextBox 42">
@@ -7158,8 +7536,8 @@
           </a:p>
         </p:txBody>
       </p:sp>
-      <mc:AlternateContent xmlns:mc="http://schemas.openxmlformats.org/markup-compatibility/2006">
-        <mc:Choice xmlns:a14="http://schemas.microsoft.com/office/drawing/2010/main" Requires="a14">
+      <mc:AlternateContent xmlns:mc="http://schemas.openxmlformats.org/markup-compatibility/2006" xmlns:a14="http://schemas.microsoft.com/office/drawing/2010/main">
+        <mc:Choice Requires="a14">
           <p:sp>
             <p:nvSpPr>
               <p:cNvPr id="6" name="TextBox 5">
@@ -7437,7 +7815,7 @@
             </p:txBody>
           </p:sp>
         </mc:Choice>
-        <mc:Fallback>
+        <mc:Fallback xmlns="">
           <p:sp>
             <p:nvSpPr>
               <p:cNvPr id="6" name="TextBox 5">
@@ -8031,8 +8409,8 @@
           </a:p>
         </p:txBody>
       </p:sp>
-      <mc:AlternateContent xmlns:mc="http://schemas.openxmlformats.org/markup-compatibility/2006">
-        <mc:Choice xmlns:a14="http://schemas.microsoft.com/office/drawing/2010/main" Requires="a14">
+      <mc:AlternateContent xmlns:mc="http://schemas.openxmlformats.org/markup-compatibility/2006" xmlns:a14="http://schemas.microsoft.com/office/drawing/2010/main">
+        <mc:Choice Requires="a14">
           <p:sp>
             <p:nvSpPr>
               <p:cNvPr id="61" name="TextBox 60">
@@ -8174,7 +8552,7 @@
                             <m:nor/>
                           </m:rPr>
                           <a:rPr lang="en-US" altLang="ko-KR" sz="1400" dirty="0"/>
-                          <m:t>* </m:t>
+                          <m:t>∗ </m:t>
                         </m:r>
                         <m:r>
                           <m:rPr>
@@ -8198,7 +8576,7 @@
             </p:txBody>
           </p:sp>
         </mc:Choice>
-        <mc:Fallback>
+        <mc:Fallback xmlns="">
           <p:sp>
             <p:nvSpPr>
               <p:cNvPr id="61" name="TextBox 60">
@@ -8279,8 +8657,8 @@
           </a:p>
         </p:txBody>
       </p:sp>
-      <mc:AlternateContent xmlns:mc="http://schemas.openxmlformats.org/markup-compatibility/2006">
-        <mc:Choice xmlns:a14="http://schemas.microsoft.com/office/drawing/2010/main" Requires="a14">
+      <mc:AlternateContent xmlns:mc="http://schemas.openxmlformats.org/markup-compatibility/2006" xmlns:a14="http://schemas.microsoft.com/office/drawing/2010/main">
+        <mc:Choice Requires="a14">
           <p:sp>
             <p:nvSpPr>
               <p:cNvPr id="63" name="TextBox 62">
@@ -8371,7 +8749,7 @@
             </p:txBody>
           </p:sp>
         </mc:Choice>
-        <mc:Fallback>
+        <mc:Fallback xmlns="">
           <p:sp>
             <p:nvSpPr>
               <p:cNvPr id="63" name="TextBox 62">
@@ -8518,8 +8896,8 @@
           </a:p>
         </p:txBody>
       </p:sp>
-      <mc:AlternateContent xmlns:mc="http://schemas.openxmlformats.org/markup-compatibility/2006">
-        <mc:Choice xmlns:a14="http://schemas.microsoft.com/office/drawing/2010/main" Requires="a14">
+      <mc:AlternateContent xmlns:mc="http://schemas.openxmlformats.org/markup-compatibility/2006" xmlns:a14="http://schemas.microsoft.com/office/drawing/2010/main">
+        <mc:Choice Requires="a14">
           <p:sp>
             <p:nvSpPr>
               <p:cNvPr id="1027" name="TextBox 1026">
@@ -8829,7 +9207,7 @@
             </p:txBody>
           </p:sp>
         </mc:Choice>
-        <mc:Fallback>
+        <mc:Fallback xmlns="">
           <p:sp>
             <p:nvSpPr>
               <p:cNvPr id="1027" name="TextBox 1026">
@@ -8874,8 +9252,8 @@
           </p:sp>
         </mc:Fallback>
       </mc:AlternateContent>
-      <mc:AlternateContent xmlns:mc="http://schemas.openxmlformats.org/markup-compatibility/2006">
-        <mc:Choice xmlns:a14="http://schemas.microsoft.com/office/drawing/2010/main" Requires="a14">
+      <mc:AlternateContent xmlns:mc="http://schemas.openxmlformats.org/markup-compatibility/2006" xmlns:a14="http://schemas.microsoft.com/office/drawing/2010/main">
+        <mc:Choice Requires="a14">
           <p:sp>
             <p:nvSpPr>
               <p:cNvPr id="1029" name="TextBox 1028">
@@ -8904,7 +9282,6 @@
               </a:bodyPr>
               <a:lstStyle/>
               <a:p>
-                <a:pPr/>
                 <a14:m>
                   <m:oMath xmlns:m="http://schemas.openxmlformats.org/officeDocument/2006/math">
                     <m:r>
@@ -8940,7 +9317,6 @@
                 </a:r>
               </a:p>
               <a:p>
-                <a:pPr/>
                 <a:r>
                   <a:rPr lang="en-US" altLang="ko-KR" sz="1000" dirty="0"/>
                   <a:t>     </a:t>
@@ -8965,7 +9341,7 @@
             </p:txBody>
           </p:sp>
         </mc:Choice>
-        <mc:Fallback>
+        <mc:Fallback xmlns="">
           <p:sp>
             <p:nvSpPr>
               <p:cNvPr id="1029" name="TextBox 1028">
@@ -9103,8 +9479,8 @@
           </a:fontRef>
         </p:style>
       </p:cxnSp>
-      <mc:AlternateContent xmlns:mc="http://schemas.openxmlformats.org/markup-compatibility/2006">
-        <mc:Choice xmlns:a14="http://schemas.microsoft.com/office/drawing/2010/main" Requires="a14">
+      <mc:AlternateContent xmlns:mc="http://schemas.openxmlformats.org/markup-compatibility/2006" xmlns:a14="http://schemas.microsoft.com/office/drawing/2010/main">
+        <mc:Choice Requires="a14">
           <p:sp>
             <p:nvSpPr>
               <p:cNvPr id="1034" name="TextBox 1033">
@@ -9133,7 +9509,6 @@
               </a:bodyPr>
               <a:lstStyle/>
               <a:p>
-                <a:pPr/>
                 <a14:m>
                   <m:oMath xmlns:m="http://schemas.openxmlformats.org/officeDocument/2006/math">
                     <m:r>
@@ -9374,13 +9749,12 @@
                 <a:endParaRPr lang="ko-KR" altLang="en-US" sz="1400" dirty="0"/>
               </a:p>
               <a:p>
-                <a:pPr/>
                 <a:endParaRPr lang="ko-KR" altLang="en-US" sz="1400" dirty="0"/>
               </a:p>
             </p:txBody>
           </p:sp>
         </mc:Choice>
-        <mc:Fallback>
+        <mc:Fallback xmlns="">
           <p:sp>
             <p:nvSpPr>
               <p:cNvPr id="1034" name="TextBox 1033">
@@ -9467,8 +9841,8 @@
           </a:p>
         </p:txBody>
       </p:sp>
-      <mc:AlternateContent xmlns:mc="http://schemas.openxmlformats.org/markup-compatibility/2006">
-        <mc:Choice xmlns:a14="http://schemas.microsoft.com/office/drawing/2010/main" Requires="a14">
+      <mc:AlternateContent xmlns:mc="http://schemas.openxmlformats.org/markup-compatibility/2006" xmlns:a14="http://schemas.microsoft.com/office/drawing/2010/main">
+        <mc:Choice Requires="a14">
           <p:sp>
             <p:nvSpPr>
               <p:cNvPr id="1036" name="TextBox 1035">
@@ -9619,7 +9993,7 @@
             </p:txBody>
           </p:sp>
         </mc:Choice>
-        <mc:Fallback>
+        <mc:Fallback xmlns="">
           <p:sp>
             <p:nvSpPr>
               <p:cNvPr id="1036" name="TextBox 1035">
@@ -9664,8 +10038,8 @@
           </p:sp>
         </mc:Fallback>
       </mc:AlternateContent>
-      <mc:AlternateContent xmlns:mc="http://schemas.openxmlformats.org/markup-compatibility/2006">
-        <mc:Choice xmlns:a14="http://schemas.microsoft.com/office/drawing/2010/main" Requires="a14">
+      <mc:AlternateContent xmlns:mc="http://schemas.openxmlformats.org/markup-compatibility/2006" xmlns:a14="http://schemas.microsoft.com/office/drawing/2010/main">
+        <mc:Choice Requires="a14">
           <p:sp>
             <p:nvSpPr>
               <p:cNvPr id="1038" name="TextBox 1037">
@@ -9835,7 +10209,7 @@
             </p:txBody>
           </p:sp>
         </mc:Choice>
-        <mc:Fallback>
+        <mc:Fallback xmlns="">
           <p:sp>
             <p:nvSpPr>
               <p:cNvPr id="1038" name="TextBox 1037">
@@ -10820,8 +11194,8 @@
           </a:p>
         </p:txBody>
       </p:sp>
-      <mc:AlternateContent xmlns:mc="http://schemas.openxmlformats.org/markup-compatibility/2006">
-        <mc:Choice xmlns:a14="http://schemas.microsoft.com/office/drawing/2010/main" Requires="a14">
+      <mc:AlternateContent xmlns:mc="http://schemas.openxmlformats.org/markup-compatibility/2006" xmlns:a14="http://schemas.microsoft.com/office/drawing/2010/main">
+        <mc:Choice Requires="a14">
           <p:sp>
             <p:nvSpPr>
               <p:cNvPr id="41" name="TextBox 40">
@@ -10916,7 +11290,7 @@
             </p:txBody>
           </p:sp>
         </mc:Choice>
-        <mc:Fallback>
+        <mc:Fallback xmlns="">
           <p:sp>
             <p:nvSpPr>
               <p:cNvPr id="41" name="TextBox 40">
@@ -10961,8 +11335,8 @@
           </p:sp>
         </mc:Fallback>
       </mc:AlternateContent>
-      <mc:AlternateContent xmlns:mc="http://schemas.openxmlformats.org/markup-compatibility/2006">
-        <mc:Choice xmlns:a14="http://schemas.microsoft.com/office/drawing/2010/main" Requires="a14">
+      <mc:AlternateContent xmlns:mc="http://schemas.openxmlformats.org/markup-compatibility/2006" xmlns:a14="http://schemas.microsoft.com/office/drawing/2010/main">
+        <mc:Choice Requires="a14">
           <p:sp>
             <p:nvSpPr>
               <p:cNvPr id="43" name="TextBox 42">
@@ -11143,7 +11517,7 @@
             </p:txBody>
           </p:sp>
         </mc:Choice>
-        <mc:Fallback>
+        <mc:Fallback xmlns="">
           <p:sp>
             <p:nvSpPr>
               <p:cNvPr id="43" name="TextBox 42">
@@ -11188,8 +11562,8 @@
           </p:sp>
         </mc:Fallback>
       </mc:AlternateContent>
-      <mc:AlternateContent xmlns:mc="http://schemas.openxmlformats.org/markup-compatibility/2006">
-        <mc:Choice xmlns:a14="http://schemas.microsoft.com/office/drawing/2010/main" Requires="a14">
+      <mc:AlternateContent xmlns:mc="http://schemas.openxmlformats.org/markup-compatibility/2006" xmlns:a14="http://schemas.microsoft.com/office/drawing/2010/main">
+        <mc:Choice Requires="a14">
           <p:sp>
             <p:nvSpPr>
               <p:cNvPr id="45" name="TextBox 44">
@@ -11386,7 +11760,7 @@
                           <a:rPr lang="en-US" altLang="ko-KR" sz="1400" b="0" i="1" smtClean="0">
                             <a:latin typeface="Cambria Math" panose="02040503050406030204" pitchFamily="18" charset="0"/>
                           </a:rPr>
-                          <m:t> * </m:t>
+                          <m:t> ∗ </m:t>
                         </m:r>
                         <m:r>
                           <a:rPr lang="ko-KR" altLang="ar-AE" sz="1400" i="1">
@@ -11763,7 +12137,7 @@
                       <a:rPr lang="en-US" altLang="ko-KR" sz="1400" b="0" i="0" smtClean="0">
                         <a:latin typeface="Cambria Math" panose="02040503050406030204" pitchFamily="18" charset="0"/>
                       </a:rPr>
-                      <m:t> *</m:t>
+                      <m:t> ∗</m:t>
                     </m:r>
                     <m:sSub>
                       <m:sSubPr>
@@ -11974,7 +12348,7 @@
             </p:txBody>
           </p:sp>
         </mc:Choice>
-        <mc:Fallback>
+        <mc:Fallback xmlns="">
           <p:sp>
             <p:nvSpPr>
               <p:cNvPr id="45" name="TextBox 44">
@@ -12019,8 +12393,8 @@
           </p:sp>
         </mc:Fallback>
       </mc:AlternateContent>
-      <mc:AlternateContent xmlns:mc="http://schemas.openxmlformats.org/markup-compatibility/2006">
-        <mc:Choice xmlns:a14="http://schemas.microsoft.com/office/drawing/2010/main" Requires="a14">
+      <mc:AlternateContent xmlns:mc="http://schemas.openxmlformats.org/markup-compatibility/2006" xmlns:a14="http://schemas.microsoft.com/office/drawing/2010/main">
+        <mc:Choice Requires="a14">
           <p:sp>
             <p:nvSpPr>
               <p:cNvPr id="47" name="TextBox 46">
@@ -12500,7 +12874,7 @@
             </p:txBody>
           </p:sp>
         </mc:Choice>
-        <mc:Fallback>
+        <mc:Fallback xmlns="">
           <p:sp>
             <p:nvSpPr>
               <p:cNvPr id="47" name="TextBox 46">
@@ -12665,8 +13039,8 @@
           </a:p>
         </p:txBody>
       </p:sp>
-      <mc:AlternateContent xmlns:mc="http://schemas.openxmlformats.org/markup-compatibility/2006">
-        <mc:Choice xmlns:a14="http://schemas.microsoft.com/office/drawing/2010/main" Requires="a14">
+      <mc:AlternateContent xmlns:mc="http://schemas.openxmlformats.org/markup-compatibility/2006" xmlns:a14="http://schemas.microsoft.com/office/drawing/2010/main">
+        <mc:Choice Requires="a14">
           <p:sp>
             <p:nvSpPr>
               <p:cNvPr id="58" name="TextBox 57">
@@ -13015,7 +13389,7 @@
             </p:txBody>
           </p:sp>
         </mc:Choice>
-        <mc:Fallback>
+        <mc:Fallback xmlns="">
           <p:sp>
             <p:nvSpPr>
               <p:cNvPr id="58" name="TextBox 57">
